--- a/Presentation.pptx
+++ b/Presentation.pptx
@@ -323,7 +323,7 @@
           <a:p>
             <a:fld id="{83284890-85D2-4D7B-8EF5-15A9C1DB8F42}" type="datetimeFigureOut">
               <a:rPr lang="en-US" smtClean="0"/>
-              <a:t>8/1/2019</a:t>
+              <a:t>8/3/2019</a:t>
             </a:fld>
             <a:endParaRPr lang="en-US"/>
           </a:p>
@@ -597,7 +597,7 @@
           <a:p>
             <a:fld id="{8664C608-40B1-4030-A28D-5B74BC98ADCE}" type="datetimeFigureOut">
               <a:rPr lang="en-US" smtClean="0"/>
-              <a:t>8/1/2019</a:t>
+              <a:t>8/3/2019</a:t>
             </a:fld>
             <a:endParaRPr lang="en-US"/>
           </a:p>
@@ -792,7 +792,7 @@
           <a:p>
             <a:fld id="{8664C608-40B1-4030-A28D-5B74BC98ADCE}" type="datetimeFigureOut">
               <a:rPr lang="en-US" smtClean="0"/>
-              <a:t>8/1/2019</a:t>
+              <a:t>8/3/2019</a:t>
             </a:fld>
             <a:endParaRPr lang="en-US"/>
           </a:p>
@@ -1066,7 +1066,7 @@
           <a:p>
             <a:fld id="{8664C608-40B1-4030-A28D-5B74BC98ADCE}" type="datetimeFigureOut">
               <a:rPr lang="en-US" smtClean="0"/>
-              <a:t>8/1/2019</a:t>
+              <a:t>8/3/2019</a:t>
             </a:fld>
             <a:endParaRPr lang="en-US"/>
           </a:p>
@@ -1408,7 +1408,7 @@
           <a:p>
             <a:fld id="{8664C608-40B1-4030-A28D-5B74BC98ADCE}" type="datetimeFigureOut">
               <a:rPr lang="en-US" smtClean="0"/>
-              <a:t>8/1/2019</a:t>
+              <a:t>8/3/2019</a:t>
             </a:fld>
             <a:endParaRPr lang="en-US"/>
           </a:p>
@@ -2032,7 +2032,7 @@
           <a:p>
             <a:fld id="{8664C608-40B1-4030-A28D-5B74BC98ADCE}" type="datetimeFigureOut">
               <a:rPr lang="en-US" smtClean="0"/>
-              <a:t>8/1/2019</a:t>
+              <a:t>8/3/2019</a:t>
             </a:fld>
             <a:endParaRPr lang="en-US"/>
           </a:p>
@@ -2890,7 +2890,7 @@
           <a:p>
             <a:fld id="{8664C608-40B1-4030-A28D-5B74BC98ADCE}" type="datetimeFigureOut">
               <a:rPr lang="en-US" smtClean="0"/>
-              <a:t>8/1/2019</a:t>
+              <a:t>8/3/2019</a:t>
             </a:fld>
             <a:endParaRPr lang="en-US"/>
           </a:p>
@@ -3060,7 +3060,7 @@
           <a:p>
             <a:fld id="{87157CC2-0FC8-4686-B024-99790E0F5162}" type="datetimeFigureOut">
               <a:rPr lang="en-US" smtClean="0"/>
-              <a:t>8/1/2019</a:t>
+              <a:t>8/3/2019</a:t>
             </a:fld>
             <a:endParaRPr lang="en-US"/>
           </a:p>
@@ -3238,7 +3238,7 @@
           <a:p>
             <a:fld id="{F6764DA5-CD3D-4590-A511-FCD3BC7A793E}" type="datetimeFigureOut">
               <a:rPr lang="en-US" smtClean="0"/>
-              <a:t>8/1/2019</a:t>
+              <a:t>8/3/2019</a:t>
             </a:fld>
             <a:endParaRPr lang="en-US"/>
           </a:p>
@@ -3406,7 +3406,7 @@
           <a:p>
             <a:fld id="{82F5661D-6934-4B32-B92C-470368BF1EC6}" type="datetimeFigureOut">
               <a:rPr lang="en-US" smtClean="0"/>
-              <a:t>8/1/2019</a:t>
+              <a:t>8/3/2019</a:t>
             </a:fld>
             <a:endParaRPr lang="en-US"/>
           </a:p>
@@ -3652,7 +3652,7 @@
           <a:p>
             <a:fld id="{C6F822A4-8DA6-4447-9B1F-C5DB58435268}" type="datetimeFigureOut">
               <a:rPr lang="en-US" smtClean="0"/>
-              <a:t>8/1/2019</a:t>
+              <a:t>8/3/2019</a:t>
             </a:fld>
             <a:endParaRPr lang="en-US"/>
           </a:p>
@@ -3942,7 +3942,7 @@
           <a:p>
             <a:fld id="{E548D31E-DCDA-41A7-9C67-C4B11B94D21D}" type="datetimeFigureOut">
               <a:rPr lang="en-US" smtClean="0"/>
-              <a:t>8/1/2019</a:t>
+              <a:t>8/3/2019</a:t>
             </a:fld>
             <a:endParaRPr lang="en-US"/>
           </a:p>
@@ -4388,7 +4388,7 @@
           <a:p>
             <a:fld id="{9B3762C0-B258-48F1-ADE6-176B4174CCDD}" type="datetimeFigureOut">
               <a:rPr lang="en-US" smtClean="0"/>
-              <a:t>8/1/2019</a:t>
+              <a:t>8/3/2019</a:t>
             </a:fld>
             <a:endParaRPr lang="en-US"/>
           </a:p>
@@ -4510,7 +4510,7 @@
           <a:p>
             <a:fld id="{677919A6-33EB-49BD-A62F-1FA56B9F9712}" type="datetimeFigureOut">
               <a:rPr lang="en-US" smtClean="0"/>
-              <a:t>8/1/2019</a:t>
+              <a:t>8/3/2019</a:t>
             </a:fld>
             <a:endParaRPr lang="en-US"/>
           </a:p>
@@ -4605,7 +4605,7 @@
           <a:p>
             <a:fld id="{CA4E7D1B-D673-4CF6-8672-009D42ABD2A0}" type="datetimeFigureOut">
               <a:rPr lang="en-US" smtClean="0"/>
-              <a:t>8/1/2019</a:t>
+              <a:t>8/3/2019</a:t>
             </a:fld>
             <a:endParaRPr lang="en-US"/>
           </a:p>
@@ -4882,7 +4882,7 @@
           <a:p>
             <a:fld id="{DA16AA21-1863-4931-97CB-99D0A168701B}" type="datetimeFigureOut">
               <a:rPr lang="en-US" smtClean="0"/>
-              <a:t>8/1/2019</a:t>
+              <a:t>8/3/2019</a:t>
             </a:fld>
             <a:endParaRPr lang="en-US"/>
           </a:p>
@@ -5160,7 +5160,7 @@
           <a:p>
             <a:fld id="{8664C608-40B1-4030-A28D-5B74BC98ADCE}" type="datetimeFigureOut">
               <a:rPr lang="en-US" smtClean="0"/>
-              <a:t>8/1/2019</a:t>
+              <a:t>8/3/2019</a:t>
             </a:fld>
             <a:endParaRPr lang="en-US"/>
           </a:p>
@@ -5589,7 +5589,7 @@
           <a:p>
             <a:fld id="{8664C608-40B1-4030-A28D-5B74BC98ADCE}" type="datetimeFigureOut">
               <a:rPr lang="en-US" smtClean="0"/>
-              <a:t>8/1/2019</a:t>
+              <a:t>8/3/2019</a:t>
             </a:fld>
             <a:endParaRPr lang="en-US"/>
           </a:p>
@@ -6512,12 +6512,82 @@
           </a:p>
         </p:txBody>
       </p:sp>
+      <p:sp>
+        <p:nvSpPr>
+          <p:cNvPr id="6" name="TextBox 5">
+            <a:extLst>
+              <a:ext uri="{FF2B5EF4-FFF2-40B4-BE49-F238E27FC236}">
+                <a16:creationId xmlns:a16="http://schemas.microsoft.com/office/drawing/2014/main" id="{EF0D0BE5-C828-284D-A280-6E9DD401F791}"/>
+              </a:ext>
+            </a:extLst>
+          </p:cNvPr>
+          <p:cNvSpPr txBox="1"/>
+          <p:nvPr/>
+        </p:nvSpPr>
+        <p:spPr>
+          <a:xfrm>
+            <a:off x="463230" y="1373264"/>
+            <a:ext cx="4027489" cy="1754326"/>
+          </a:xfrm>
+          <a:prstGeom prst="rect">
+            <a:avLst/>
+          </a:prstGeom>
+          <a:noFill/>
+        </p:spPr>
+        <p:txBody>
+          <a:bodyPr wrap="square" rtlCol="0">
+            <a:spAutoFit/>
+          </a:bodyPr>
+          <a:lstStyle/>
+          <a:p>
+            <a:pPr marL="285750" indent="-285750">
+              <a:buFont typeface="Arial" panose="020B0604020202020204" pitchFamily="34" charset="0"/>
+              <a:buChar char="•"/>
+            </a:pPr>
+            <a:r>
+              <a:rPr lang="en-US"/>
+              <a:t>100 stores inside and surrounding Berkeley</a:t>
+            </a:r>
+          </a:p>
+          <a:p>
+            <a:pPr marL="285750" indent="-285750">
+              <a:buFont typeface="Arial" panose="020B0604020202020204" pitchFamily="34" charset="0"/>
+              <a:buChar char="•"/>
+            </a:pPr>
+            <a:endParaRPr lang="en-US"/>
+          </a:p>
+          <a:p>
+            <a:pPr marL="285750" indent="-285750">
+              <a:buFont typeface="Arial" panose="020B0604020202020204" pitchFamily="34" charset="0"/>
+              <a:buChar char="•"/>
+            </a:pPr>
+            <a:r>
+              <a:rPr lang="en-US"/>
+              <a:t>Weekly sales from 2014-2015</a:t>
+            </a:r>
+          </a:p>
+          <a:p>
+            <a:pPr marL="285750" indent="-285750">
+              <a:buFont typeface="Arial" panose="020B0604020202020204" pitchFamily="34" charset="0"/>
+              <a:buChar char="•"/>
+            </a:pPr>
+            <a:endParaRPr lang="en-US"/>
+          </a:p>
+          <a:p>
+            <a:pPr marL="285750" indent="-285750">
+              <a:buFont typeface="Arial" panose="020B0604020202020204" pitchFamily="34" charset="0"/>
+              <a:buChar char="•"/>
+            </a:pPr>
+            <a:endParaRPr lang="en-US"/>
+          </a:p>
+        </p:txBody>
+      </p:sp>
       <p:pic>
         <p:nvPicPr>
-          <p:cNvPr id="5" name="Content Placeholder 4" descr="A screenshot of a cell phone&#10;&#10;Description automatically generated">
+          <p:cNvPr id="8" name="Content Placeholder 7">
             <a:extLst>
               <a:ext uri="{FF2B5EF4-FFF2-40B4-BE49-F238E27FC236}">
-                <a16:creationId xmlns:a16="http://schemas.microsoft.com/office/drawing/2014/main" id="{5A49C6AC-999F-AB40-95EE-EE8A7B63D51C}"/>
+                <a16:creationId xmlns:a16="http://schemas.microsoft.com/office/drawing/2014/main" id="{EB865F10-82AF-43C8-BB48-666CBF8BABF1}"/>
               </a:ext>
             </a:extLst>
           </p:cNvPr>
@@ -6542,81 +6612,11 @@
         </p:blipFill>
         <p:spPr>
           <a:xfrm>
-            <a:off x="4702866" y="1557931"/>
-            <a:ext cx="7025903" cy="4678181"/>
+            <a:off x="4335834" y="1585103"/>
+            <a:ext cx="7329054" cy="4209027"/>
           </a:xfrm>
         </p:spPr>
       </p:pic>
-      <p:sp>
-        <p:nvSpPr>
-          <p:cNvPr id="6" name="TextBox 5">
-            <a:extLst>
-              <a:ext uri="{FF2B5EF4-FFF2-40B4-BE49-F238E27FC236}">
-                <a16:creationId xmlns:a16="http://schemas.microsoft.com/office/drawing/2014/main" id="{EF0D0BE5-C828-284D-A280-6E9DD401F791}"/>
-              </a:ext>
-            </a:extLst>
-          </p:cNvPr>
-          <p:cNvSpPr txBox="1"/>
-          <p:nvPr/>
-        </p:nvSpPr>
-        <p:spPr>
-          <a:xfrm>
-            <a:off x="463230" y="1373264"/>
-            <a:ext cx="4027489" cy="1754326"/>
-          </a:xfrm>
-          <a:prstGeom prst="rect">
-            <a:avLst/>
-          </a:prstGeom>
-          <a:noFill/>
-        </p:spPr>
-        <p:txBody>
-          <a:bodyPr wrap="square" rtlCol="0">
-            <a:spAutoFit/>
-          </a:bodyPr>
-          <a:lstStyle/>
-          <a:p>
-            <a:pPr marL="285750" indent="-285750">
-              <a:buFont typeface="Arial" panose="020B0604020202020204" pitchFamily="34" charset="0"/>
-              <a:buChar char="•"/>
-            </a:pPr>
-            <a:r>
-              <a:rPr lang="en-US"/>
-              <a:t>100 stores inside and surrounding Berkeley</a:t>
-            </a:r>
-          </a:p>
-          <a:p>
-            <a:pPr marL="285750" indent="-285750">
-              <a:buFont typeface="Arial" panose="020B0604020202020204" pitchFamily="34" charset="0"/>
-              <a:buChar char="•"/>
-            </a:pPr>
-            <a:endParaRPr lang="en-US"/>
-          </a:p>
-          <a:p>
-            <a:pPr marL="285750" indent="-285750">
-              <a:buFont typeface="Arial" panose="020B0604020202020204" pitchFamily="34" charset="0"/>
-              <a:buChar char="•"/>
-            </a:pPr>
-            <a:r>
-              <a:rPr lang="en-US"/>
-              <a:t>Weekly sales from 2014-2015</a:t>
-            </a:r>
-          </a:p>
-          <a:p>
-            <a:pPr marL="285750" indent="-285750">
-              <a:buFont typeface="Arial" panose="020B0604020202020204" pitchFamily="34" charset="0"/>
-              <a:buChar char="•"/>
-            </a:pPr>
-            <a:endParaRPr lang="en-US"/>
-          </a:p>
-          <a:p>
-            <a:pPr marL="285750" indent="-285750">
-              <a:buFont typeface="Arial" panose="020B0604020202020204" pitchFamily="34" charset="0"/>
-              <a:buChar char="•"/>
-            </a:pPr>
-            <a:endParaRPr lang="en-US"/>
-          </a:p>
-        </p:txBody>
-      </p:sp>
     </p:spTree>
     <p:extLst>
       <p:ext uri="{BB962C8B-B14F-4D97-AF65-F5344CB8AC3E}">
@@ -6786,7 +6786,7 @@
           <a:graphicData uri="http://schemas.openxmlformats.org/presentationml/2006/ole">
             <mc:AlternateContent xmlns:mc="http://schemas.openxmlformats.org/markup-compatibility/2006">
               <mc:Choice xmlns:v="urn:schemas-microsoft-com:vml" Requires="v">
-                <p:oleObj spid="_x0000_s23558" name="Equation" r:id="rId4" imgW="1409400" imgH="482400" progId="Equation.DSMT4">
+                <p:oleObj spid="_x0000_s23568" name="Equation" r:id="rId4" imgW="1409400" imgH="482400" progId="Equation.DSMT4">
                   <p:embed/>
                 </p:oleObj>
               </mc:Choice>
@@ -6858,7 +6858,7 @@
           <a:graphicData uri="http://schemas.openxmlformats.org/presentationml/2006/ole">
             <mc:AlternateContent xmlns:mc="http://schemas.openxmlformats.org/markup-compatibility/2006">
               <mc:Choice xmlns:v="urn:schemas-microsoft-com:vml" Requires="v">
-                <p:oleObj spid="_x0000_s23559" name="Equation" r:id="rId6" imgW="1066800" imgH="381000" progId="Equation.DSMT4">
+                <p:oleObj spid="_x0000_s23569" name="Equation" r:id="rId6" imgW="1066800" imgH="381000" progId="Equation.DSMT4">
                   <p:embed/>
                 </p:oleObj>
               </mc:Choice>
@@ -6930,7 +6930,7 @@
           <a:graphicData uri="http://schemas.openxmlformats.org/presentationml/2006/ole">
             <mc:AlternateContent xmlns:mc="http://schemas.openxmlformats.org/markup-compatibility/2006">
               <mc:Choice xmlns:v="urn:schemas-microsoft-com:vml" Requires="v">
-                <p:oleObj spid="_x0000_s23560" name="Equation" r:id="rId8" imgW="1181100" imgH="381000" progId="Equation.DSMT4">
+                <p:oleObj spid="_x0000_s23570" name="Equation" r:id="rId8" imgW="1181100" imgH="381000" progId="Equation.DSMT4">
                   <p:embed/>
                 </p:oleObj>
               </mc:Choice>
@@ -7002,7 +7002,7 @@
           <a:graphicData uri="http://schemas.openxmlformats.org/presentationml/2006/ole">
             <mc:AlternateContent xmlns:mc="http://schemas.openxmlformats.org/markup-compatibility/2006">
               <mc:Choice xmlns:v="urn:schemas-microsoft-com:vml" Requires="v">
-                <p:oleObj spid="_x0000_s23561" name="Equation" r:id="rId10" imgW="1270000" imgH="381000" progId="Equation.DSMT4">
+                <p:oleObj spid="_x0000_s23571" name="Equation" r:id="rId10" imgW="1270000" imgH="381000" progId="Equation.DSMT4">
                   <p:embed/>
                 </p:oleObj>
               </mc:Choice>
@@ -7074,7 +7074,7 @@
           <a:graphicData uri="http://schemas.openxmlformats.org/presentationml/2006/ole">
             <mc:AlternateContent xmlns:mc="http://schemas.openxmlformats.org/markup-compatibility/2006">
               <mc:Choice xmlns:v="urn:schemas-microsoft-com:vml" Requires="v">
-                <p:oleObj spid="_x0000_s23562" name="Equation" r:id="rId12" imgW="1371600" imgH="381000" progId="Equation.DSMT4">
+                <p:oleObj spid="_x0000_s23572" name="Equation" r:id="rId12" imgW="1371600" imgH="381000" progId="Equation.DSMT4">
                   <p:embed/>
                 </p:oleObj>
               </mc:Choice>
